--- a/docs/loki-mode-presentation.pptx
+++ b/docs/loki-mode-presentation.pptx
@@ -145,7 +145,7 @@
     </p:spTree>
     <p:extLst>
       <p:ext uri="{BB962C8B-B14F-4D97-AF65-F5344CB8AC3E}">
-        <p14:creationId xmlns:p14="http://schemas.microsoft.com/office/powerpoint/2010/main" val="2987821785"/>
+        <p14:creationId xmlns:p14="http://schemas.microsoft.com/office/powerpoint/2010/main" val="2150939044"/>
       </p:ext>
     </p:extLst>
   </p:cSld>
@@ -1615,7 +1615,7 @@
                 <a:ea typeface="Georgia" pitchFamily="34" charset="-122"/>
                 <a:cs typeface="Georgia" pitchFamily="34" charset="-120"/>
               </a:rPr>
-              <a:t>500+ Stars</a:t>
+              <a:t>575+ Stars</a:t>
             </a:r>
             <a:endParaRPr lang="en-US" sz="1100" dirty="0"/>
           </a:p>
@@ -1678,7 +1678,7 @@
                 <a:ea typeface="Georgia" pitchFamily="34" charset="-122"/>
                 <a:cs typeface="Georgia" pitchFamily="34" charset="-120"/>
               </a:rPr>
-              <a:t>100+ Forks</a:t>
+              <a:t>110+ Forks</a:t>
             </a:r>
             <a:endParaRPr lang="en-US" sz="1100" dirty="0"/>
           </a:p>
@@ -2614,10 +2614,9 @@
                   <a:srgbClr val="D97757"/>
                 </a:solidFill>
                 <a:latin typeface="Poppins" pitchFamily="34" charset="0"/>
-                <a:ea typeface="Poppins" pitchFamily="34" charset="-122"/>
                 <a:cs typeface="Poppins" pitchFamily="34" charset="-120"/>
               </a:rPr>
-              <a:t>37+</a:t>
+              <a:t>41+</a:t>
             </a:r>
             <a:endParaRPr lang="en-US" sz="4800" dirty="0"/>
           </a:p>
@@ -2763,10 +2762,9 @@
                   <a:srgbClr val="6A9BCC"/>
                 </a:solidFill>
                 <a:latin typeface="Poppins" pitchFamily="34" charset="0"/>
-                <a:ea typeface="Poppins" pitchFamily="34" charset="-122"/>
                 <a:cs typeface="Poppins" pitchFamily="34" charset="-120"/>
               </a:rPr>
-              <a:t>6+</a:t>
+              <a:t>7</a:t>
             </a:r>
             <a:endParaRPr lang="en-US" sz="4800" dirty="0"/>
           </a:p>
@@ -4710,7 +4708,7 @@
                 <a:ea typeface="Georgia" pitchFamily="34" charset="-122"/>
                 <a:cs typeface="Georgia" pitchFamily="34" charset="-120"/>
               </a:rPr>
-              <a:t>v5.1.0+ Multi-Provider Architecture</a:t>
+              <a:t>v5.0.0 Multi-Provider Architecture</a:t>
             </a:r>
             <a:endParaRPr lang="en-US" sz="1800" dirty="0"/>
           </a:p>
@@ -6609,7 +6607,7 @@
                 <a:ea typeface="Poppins" pitchFamily="34" charset="-122"/>
                 <a:cs typeface="Poppins" pitchFamily="34" charset="-120"/>
               </a:rPr>
-              <a:t>500+</a:t>
+              <a:t>575+</a:t>
             </a:r>
             <a:endParaRPr lang="en-US" sz="4000" dirty="0"/>
           </a:p>
@@ -6738,7 +6736,7 @@
                 <a:ea typeface="Poppins" pitchFamily="34" charset="-122"/>
                 <a:cs typeface="Poppins" pitchFamily="34" charset="-120"/>
               </a:rPr>
-              <a:t>100+</a:t>
+              <a:t>113</a:t>
             </a:r>
             <a:endParaRPr lang="en-US" sz="4000" dirty="0"/>
           </a:p>
@@ -6867,7 +6865,7 @@
                 <a:ea typeface="Poppins" pitchFamily="34" charset="-122"/>
                 <a:cs typeface="Poppins" pitchFamily="34" charset="-120"/>
               </a:rPr>
-              <a:t>MIT</a:t>
+              <a:t>v5.18</a:t>
             </a:r>
             <a:endParaRPr lang="en-US" sz="4000" dirty="0"/>
           </a:p>
@@ -6906,7 +6904,7 @@
                 <a:ea typeface="Georgia" pitchFamily="34" charset="-122"/>
                 <a:cs typeface="Georgia" pitchFamily="34" charset="-120"/>
               </a:rPr>
-              <a:t>Licensed</a:t>
+              <a:t>Latest Release</a:t>
             </a:r>
             <a:endParaRPr lang="en-US" sz="1200" dirty="0"/>
           </a:p>
@@ -7296,7 +7294,7 @@
                 <a:ea typeface="Poppins" pitchFamily="34" charset="-122"/>
                 <a:cs typeface="Poppins" pitchFamily="34" charset="-120"/>
               </a:rPr>
-              <a:t>Watch the Swarm Work</a:t>
+              <a:t>The Full Platform</a:t>
             </a:r>
             <a:endParaRPr lang="en-US" sz="4000" dirty="0"/>
           </a:p>
@@ -7304,14 +7302,41 @@
       </p:sp>
       <p:sp>
         <p:nvSpPr>
-          <p:cNvPr id="3" name="Text 1"/>
-          <p:cNvSpPr/>
-          <p:nvPr/>
-        </p:nvSpPr>
-        <p:spPr>
-          <a:xfrm>
-            <a:off x="457200" y="914400"/>
-            <a:ext cx="8229600" cy="365760"/>
+          <p:cNvPr id="3" name="Shape 1"/>
+          <p:cNvSpPr/>
+          <p:nvPr/>
+        </p:nvSpPr>
+        <p:spPr>
+          <a:xfrm>
+            <a:off x="457200" y="960120"/>
+            <a:ext cx="1828800" cy="54864"/>
+          </a:xfrm>
+          <a:prstGeom prst="rect">
+            <a:avLst/>
+          </a:prstGeom>
+          <a:solidFill>
+            <a:srgbClr val="D97757"/>
+          </a:solidFill>
+          <a:ln/>
+        </p:spPr>
+        <p:txBody>
+          <a:bodyPr/>
+          <a:lstStyle/>
+          <a:p>
+            <a:endParaRPr lang="en-US"/>
+          </a:p>
+        </p:txBody>
+      </p:sp>
+      <p:sp>
+        <p:nvSpPr>
+          <p:cNvPr id="4" name="Text 2"/>
+          <p:cNvSpPr/>
+          <p:nvPr/>
+        </p:nvSpPr>
+        <p:spPr>
+          <a:xfrm>
+            <a:off x="457200" y="1097280"/>
+            <a:ext cx="8229600" cy="320040"/>
           </a:xfrm>
           <a:prstGeom prst="rect">
             <a:avLst/>
@@ -7327,30 +7352,30 @@
               <a:buNone/>
             </a:pPr>
             <a:r>
-              <a:rPr lang="en-US" sz="1800" i="1" dirty="0">
-                <a:solidFill>
-                  <a:srgbClr val="D97757"/>
+              <a:rPr lang="en-US" sz="1400" i="1" dirty="0">
+                <a:solidFill>
+                  <a:srgbClr val="B0AEA5"/>
                 </a:solidFill>
                 <a:latin typeface="Georgia" pitchFamily="34" charset="0"/>
                 <a:ea typeface="Georgia" pitchFamily="34" charset="-122"/>
                 <a:cs typeface="Georgia" pitchFamily="34" charset="-120"/>
               </a:rPr>
-              <a:t>Real-time visibility into the hive mind</a:t>
-            </a:r>
-            <a:endParaRPr lang="en-US" sz="1800" dirty="0"/>
-          </a:p>
-        </p:txBody>
-      </p:sp>
-      <p:sp>
-        <p:nvSpPr>
-          <p:cNvPr id="4" name="Shape 2"/>
-          <p:cNvSpPr/>
-          <p:nvPr/>
-        </p:nvSpPr>
-        <p:spPr>
-          <a:xfrm>
-            <a:off x="457200" y="1371600"/>
-            <a:ext cx="8229600" cy="2743200"/>
+              <a:t>Beyond code generation. A complete autonomous development platform.</a:t>
+            </a:r>
+            <a:endParaRPr lang="en-US" sz="1400" dirty="0"/>
+          </a:p>
+        </p:txBody>
+      </p:sp>
+      <p:sp>
+        <p:nvSpPr>
+          <p:cNvPr id="5" name="Shape 3"/>
+          <p:cNvSpPr/>
+          <p:nvPr/>
+        </p:nvSpPr>
+        <p:spPr>
+          <a:xfrm>
+            <a:off x="457200" y="1554480"/>
+            <a:ext cx="2651760" cy="1280160"/>
           </a:xfrm>
           <a:prstGeom prst="rect">
             <a:avLst/>
@@ -7358,12 +7383,7 @@
           <a:solidFill>
             <a:srgbClr val="FFFFFF"/>
           </a:solidFill>
-          <a:ln w="12700">
-            <a:solidFill>
-              <a:srgbClr val="E8E6DC"/>
-            </a:solidFill>
-            <a:prstDash val="solid"/>
-          </a:ln>
+          <a:ln/>
         </p:spPr>
         <p:txBody>
           <a:bodyPr/>
@@ -7375,20 +7395,20 @@
       </p:sp>
       <p:sp>
         <p:nvSpPr>
-          <p:cNvPr id="5" name="Shape 3"/>
-          <p:cNvSpPr/>
-          <p:nvPr/>
-        </p:nvSpPr>
-        <p:spPr>
-          <a:xfrm>
-            <a:off x="457200" y="1371600"/>
-            <a:ext cx="8229600" cy="457200"/>
-          </a:xfrm>
-          <a:prstGeom prst="rect">
-            <a:avLst/>
-          </a:prstGeom>
-          <a:solidFill>
-            <a:srgbClr val="141413"/>
+          <p:cNvPr id="6" name="Shape 4"/>
+          <p:cNvSpPr/>
+          <p:nvPr/>
+        </p:nvSpPr>
+        <p:spPr>
+          <a:xfrm>
+            <a:off x="457200" y="1554480"/>
+            <a:ext cx="2651760" cy="54864"/>
+          </a:xfrm>
+          <a:prstGeom prst="rect">
+            <a:avLst/>
+          </a:prstGeom>
+          <a:solidFill>
+            <a:srgbClr val="D97757"/>
           </a:solidFill>
           <a:ln/>
         </p:spPr>
@@ -7402,14 +7422,65 @@
       </p:sp>
       <p:sp>
         <p:nvSpPr>
-          <p:cNvPr id="6" name="Text 4"/>
-          <p:cNvSpPr/>
-          <p:nvPr/>
-        </p:nvSpPr>
-        <p:spPr>
-          <a:xfrm>
-            <a:off x="640080" y="1371600"/>
-            <a:ext cx="7863840" cy="457200"/>
+          <p:cNvPr id="7" name="Shape 5"/>
+          <p:cNvSpPr/>
+          <p:nvPr/>
+        </p:nvSpPr>
+        <p:spPr>
+          <a:xfrm>
+            <a:off x="594360" y="1737360"/>
+            <a:ext cx="365760" cy="365760"/>
+          </a:xfrm>
+          <a:prstGeom prst="ellipse">
+            <a:avLst/>
+          </a:prstGeom>
+          <a:solidFill>
+            <a:srgbClr val="D97757"/>
+          </a:solidFill>
+          <a:ln/>
+        </p:spPr>
+        <p:txBody>
+          <a:bodyPr/>
+          <a:lstStyle/>
+          <a:p>
+            <a:endParaRPr lang="en-US"/>
+          </a:p>
+        </p:txBody>
+      </p:sp>
+      <p:pic>
+        <p:nvPicPr>
+          <p:cNvPr id="8" name="Image 0" descr="preencoded.png"/>
+          <p:cNvPicPr>
+            <a:picLocks noChangeAspect="1"/>
+          </p:cNvPicPr>
+          <p:nvPr/>
+        </p:nvPicPr>
+        <p:blipFill>
+          <a:blip r:embed="rId3"/>
+          <a:stretch>
+            <a:fillRect/>
+          </a:stretch>
+        </p:blipFill>
+        <p:spPr>
+          <a:xfrm>
+            <a:off x="658368" y="1801368"/>
+            <a:ext cx="237744" cy="237744"/>
+          </a:xfrm>
+          <a:prstGeom prst="rect">
+            <a:avLst/>
+          </a:prstGeom>
+        </p:spPr>
+      </p:pic>
+      <p:sp>
+        <p:nvSpPr>
+          <p:cNvPr id="9" name="Text 6"/>
+          <p:cNvSpPr/>
+          <p:nvPr/>
+        </p:nvSpPr>
+        <p:spPr>
+          <a:xfrm>
+            <a:off x="1051560" y="1719072"/>
+            <a:ext cx="1920240" cy="365760"/>
           </a:xfrm>
           <a:prstGeom prst="rect">
             <a:avLst/>
@@ -7425,73 +7496,7 @@
               <a:buNone/>
             </a:pPr>
             <a:r>
-              <a:rPr lang="en-US" sz="1100" dirty="0">
-                <a:solidFill>
-                  <a:srgbClr val="D97757"/>
-                </a:solidFill>
-                <a:latin typeface="Consolas" pitchFamily="34" charset="0"/>
-                <a:ea typeface="Consolas" pitchFamily="34" charset="-122"/>
-                <a:cs typeface="Consolas" pitchFamily="34" charset="-120"/>
-              </a:rPr>
-              <a:t>Phase: DEVELOPMENT  |  Active Agents: 47  |  Tasks: 203</a:t>
-            </a:r>
-            <a:endParaRPr lang="en-US" sz="1100" dirty="0"/>
-          </a:p>
-        </p:txBody>
-      </p:sp>
-      <p:sp>
-        <p:nvSpPr>
-          <p:cNvPr id="7" name="Shape 5"/>
-          <p:cNvSpPr/>
-          <p:nvPr/>
-        </p:nvSpPr>
-        <p:spPr>
-          <a:xfrm>
-            <a:off x="640080" y="1920240"/>
-            <a:ext cx="2468880" cy="2011680"/>
-          </a:xfrm>
-          <a:prstGeom prst="rect">
-            <a:avLst/>
-          </a:prstGeom>
-          <a:solidFill>
-            <a:srgbClr val="E8E6DC"/>
-          </a:solidFill>
-          <a:ln/>
-        </p:spPr>
-        <p:txBody>
-          <a:bodyPr/>
-          <a:lstStyle/>
-          <a:p>
-            <a:endParaRPr lang="en-US"/>
-          </a:p>
-        </p:txBody>
-      </p:sp>
-      <p:sp>
-        <p:nvSpPr>
-          <p:cNvPr id="8" name="Text 6"/>
-          <p:cNvSpPr/>
-          <p:nvPr/>
-        </p:nvSpPr>
-        <p:spPr>
-          <a:xfrm>
-            <a:off x="640080" y="1965960"/>
-            <a:ext cx="2468880" cy="320040"/>
-          </a:xfrm>
-          <a:prstGeom prst="rect">
-            <a:avLst/>
-          </a:prstGeom>
-          <a:noFill/>
-          <a:ln/>
-        </p:spPr>
-        <p:txBody>
-          <a:bodyPr wrap="square" lIns="0" tIns="0" rIns="0" bIns="0" rtlCol="0" anchor="ctr"/>
-          <a:lstStyle/>
-          <a:p>
-            <a:pPr marL="0" indent="0" algn="ctr">
-              <a:buNone/>
-            </a:pPr>
-            <a:r>
-              <a:rPr lang="en-US" sz="1100" b="1" dirty="0">
+              <a:rPr lang="en-US" sz="1400" b="1" dirty="0">
                 <a:solidFill>
                   <a:srgbClr val="141413"/>
                 </a:solidFill>
@@ -7499,76 +7504,22 @@
                 <a:ea typeface="Poppins" pitchFamily="34" charset="-122"/>
                 <a:cs typeface="Poppins" pitchFamily="34" charset="-120"/>
               </a:rPr>
-              <a:t>Pending</a:t>
-            </a:r>
-            <a:endParaRPr lang="en-US" sz="1100" dirty="0"/>
-          </a:p>
-        </p:txBody>
-      </p:sp>
-      <p:sp>
-        <p:nvSpPr>
-          <p:cNvPr id="9" name="Shape 7"/>
-          <p:cNvSpPr/>
-          <p:nvPr/>
-        </p:nvSpPr>
-        <p:spPr>
-          <a:xfrm>
-            <a:off x="731520" y="2331720"/>
-            <a:ext cx="2286000" cy="411480"/>
-          </a:xfrm>
-          <a:prstGeom prst="rect">
-            <a:avLst/>
-          </a:prstGeom>
-          <a:solidFill>
-            <a:srgbClr val="FFFFFF"/>
-          </a:solidFill>
-          <a:ln/>
-        </p:spPr>
-        <p:txBody>
-          <a:bodyPr/>
-          <a:lstStyle/>
-          <a:p>
-            <a:endParaRPr lang="en-US"/>
-          </a:p>
-        </p:txBody>
-      </p:sp>
-      <p:sp>
-        <p:nvSpPr>
-          <p:cNvPr id="10" name="Shape 8"/>
-          <p:cNvSpPr/>
-          <p:nvPr/>
-        </p:nvSpPr>
-        <p:spPr>
-          <a:xfrm>
-            <a:off x="731520" y="2331720"/>
-            <a:ext cx="54864" cy="411480"/>
-          </a:xfrm>
-          <a:prstGeom prst="rect">
-            <a:avLst/>
-          </a:prstGeom>
-          <a:solidFill>
-            <a:srgbClr val="D97757"/>
-          </a:solidFill>
-          <a:ln/>
-        </p:spPr>
-        <p:txBody>
-          <a:bodyPr/>
-          <a:lstStyle/>
-          <a:p>
-            <a:endParaRPr lang="en-US"/>
-          </a:p>
-        </p:txBody>
-      </p:sp>
-      <p:sp>
-        <p:nvSpPr>
-          <p:cNvPr id="11" name="Text 9"/>
-          <p:cNvSpPr/>
-          <p:nvPr/>
-        </p:nvSpPr>
-        <p:spPr>
-          <a:xfrm>
-            <a:off x="868680" y="2331720"/>
-            <a:ext cx="2103120" cy="411480"/>
+              <a:t>3-Tier Memory</a:t>
+            </a:r>
+            <a:endParaRPr lang="en-US" sz="1400" dirty="0"/>
+          </a:p>
+        </p:txBody>
+      </p:sp>
+      <p:sp>
+        <p:nvSpPr>
+          <p:cNvPr id="10" name="Text 7"/>
+          <p:cNvSpPr/>
+          <p:nvPr/>
+        </p:nvSpPr>
+        <p:spPr>
+          <a:xfrm>
+            <a:off x="594360" y="2194560"/>
+            <a:ext cx="2377440" cy="548640"/>
           </a:xfrm>
           <a:prstGeom prst="rect">
             <a:avLst/>
@@ -7584,30 +7535,30 @@
               <a:buNone/>
             </a:pPr>
             <a:r>
-              <a:rPr lang="en-US" sz="1000" dirty="0">
-                <a:solidFill>
-                  <a:srgbClr val="141413"/>
+              <a:rPr lang="en-US" sz="950" dirty="0">
+                <a:solidFill>
+                  <a:srgbClr val="B0AEA5"/>
                 </a:solidFill>
                 <a:latin typeface="Georgia" pitchFamily="34" charset="0"/>
                 <a:ea typeface="Georgia" pitchFamily="34" charset="-122"/>
                 <a:cs typeface="Georgia" pitchFamily="34" charset="-120"/>
               </a:rPr>
-              <a:t>Setup CI</a:t>
-            </a:r>
-            <a:endParaRPr lang="en-US" sz="1000" dirty="0"/>
-          </a:p>
-        </p:txBody>
-      </p:sp>
-      <p:sp>
-        <p:nvSpPr>
-          <p:cNvPr id="12" name="Shape 10"/>
-          <p:cNvSpPr/>
-          <p:nvPr/>
-        </p:nvSpPr>
-        <p:spPr>
-          <a:xfrm>
-            <a:off x="731520" y="2834640"/>
-            <a:ext cx="2286000" cy="411480"/>
+              <a:t>Episodic, Semantic, Procedural memory with progressive disclosure and token economics</a:t>
+            </a:r>
+            <a:endParaRPr lang="en-US" sz="950" dirty="0"/>
+          </a:p>
+        </p:txBody>
+      </p:sp>
+      <p:sp>
+        <p:nvSpPr>
+          <p:cNvPr id="11" name="Shape 8"/>
+          <p:cNvSpPr/>
+          <p:nvPr/>
+        </p:nvSpPr>
+        <p:spPr>
+          <a:xfrm>
+            <a:off x="3291840" y="1554480"/>
+            <a:ext cx="2651760" cy="1280160"/>
           </a:xfrm>
           <a:prstGeom prst="rect">
             <a:avLst/>
@@ -7627,20 +7578,20 @@
       </p:sp>
       <p:sp>
         <p:nvSpPr>
-          <p:cNvPr id="13" name="Shape 11"/>
-          <p:cNvSpPr/>
-          <p:nvPr/>
-        </p:nvSpPr>
-        <p:spPr>
-          <a:xfrm>
-            <a:off x="731520" y="2834640"/>
-            <a:ext cx="54864" cy="411480"/>
-          </a:xfrm>
-          <a:prstGeom prst="rect">
-            <a:avLst/>
-          </a:prstGeom>
-          <a:solidFill>
-            <a:srgbClr val="D97757"/>
+          <p:cNvPr id="12" name="Shape 9"/>
+          <p:cNvSpPr/>
+          <p:nvPr/>
+        </p:nvSpPr>
+        <p:spPr>
+          <a:xfrm>
+            <a:off x="3291840" y="1554480"/>
+            <a:ext cx="2651760" cy="54864"/>
+          </a:xfrm>
+          <a:prstGeom prst="rect">
+            <a:avLst/>
+          </a:prstGeom>
+          <a:solidFill>
+            <a:srgbClr val="6A9BCC"/>
           </a:solidFill>
           <a:ln/>
         </p:spPr>
@@ -7654,14 +7605,65 @@
       </p:sp>
       <p:sp>
         <p:nvSpPr>
-          <p:cNvPr id="14" name="Text 12"/>
-          <p:cNvSpPr/>
-          <p:nvPr/>
-        </p:nvSpPr>
-        <p:spPr>
-          <a:xfrm>
-            <a:off x="868680" y="2834640"/>
-            <a:ext cx="2103120" cy="411480"/>
+          <p:cNvPr id="13" name="Shape 10"/>
+          <p:cNvSpPr/>
+          <p:nvPr/>
+        </p:nvSpPr>
+        <p:spPr>
+          <a:xfrm>
+            <a:off x="3429000" y="1737360"/>
+            <a:ext cx="365760" cy="365760"/>
+          </a:xfrm>
+          <a:prstGeom prst="ellipse">
+            <a:avLst/>
+          </a:prstGeom>
+          <a:solidFill>
+            <a:srgbClr val="6A9BCC"/>
+          </a:solidFill>
+          <a:ln/>
+        </p:spPr>
+        <p:txBody>
+          <a:bodyPr/>
+          <a:lstStyle/>
+          <a:p>
+            <a:endParaRPr lang="en-US"/>
+          </a:p>
+        </p:txBody>
+      </p:sp>
+      <p:pic>
+        <p:nvPicPr>
+          <p:cNvPr id="14" name="Image 1" descr="preencoded.png"/>
+          <p:cNvPicPr>
+            <a:picLocks noChangeAspect="1"/>
+          </p:cNvPicPr>
+          <p:nvPr/>
+        </p:nvPicPr>
+        <p:blipFill>
+          <a:blip r:embed="rId4"/>
+          <a:stretch>
+            <a:fillRect/>
+          </a:stretch>
+        </p:blipFill>
+        <p:spPr>
+          <a:xfrm>
+            <a:off x="3493008" y="1801368"/>
+            <a:ext cx="237744" cy="237744"/>
+          </a:xfrm>
+          <a:prstGeom prst="rect">
+            <a:avLst/>
+          </a:prstGeom>
+        </p:spPr>
+      </p:pic>
+      <p:sp>
+        <p:nvSpPr>
+          <p:cNvPr id="15" name="Text 11"/>
+          <p:cNvSpPr/>
+          <p:nvPr/>
+        </p:nvSpPr>
+        <p:spPr>
+          <a:xfrm>
+            <a:off x="3886200" y="1719072"/>
+            <a:ext cx="1920240" cy="365760"/>
           </a:xfrm>
           <a:prstGeom prst="rect">
             <a:avLst/>
@@ -7677,30 +7679,69 @@
               <a:buNone/>
             </a:pPr>
             <a:r>
-              <a:rPr lang="en-US" sz="1000" dirty="0">
+              <a:rPr lang="en-US" sz="1400" b="1" dirty="0">
                 <a:solidFill>
                   <a:srgbClr val="141413"/>
+                </a:solidFill>
+                <a:latin typeface="Poppins" pitchFamily="34" charset="0"/>
+                <a:ea typeface="Poppins" pitchFamily="34" charset="-122"/>
+                <a:cs typeface="Poppins" pitchFamily="34" charset="-120"/>
+              </a:rPr>
+              <a:t>MCP Server</a:t>
+            </a:r>
+            <a:endParaRPr lang="en-US" sz="1400" dirty="0"/>
+          </a:p>
+        </p:txBody>
+      </p:sp>
+      <p:sp>
+        <p:nvSpPr>
+          <p:cNvPr id="16" name="Text 12"/>
+          <p:cNvSpPr/>
+          <p:nvPr/>
+        </p:nvSpPr>
+        <p:spPr>
+          <a:xfrm>
+            <a:off x="3429000" y="2194560"/>
+            <a:ext cx="2377440" cy="548640"/>
+          </a:xfrm>
+          <a:prstGeom prst="rect">
+            <a:avLst/>
+          </a:prstGeom>
+          <a:noFill/>
+          <a:ln/>
+        </p:spPr>
+        <p:txBody>
+          <a:bodyPr wrap="square" lIns="0" tIns="0" rIns="0" bIns="0" rtlCol="0" anchor="ctr"/>
+          <a:lstStyle/>
+          <a:p>
+            <a:pPr marL="0" indent="0">
+              <a:buNone/>
+            </a:pPr>
+            <a:r>
+              <a:rPr lang="en-US" sz="950" dirty="0">
+                <a:solidFill>
+                  <a:srgbClr val="B0AEA5"/>
                 </a:solidFill>
                 <a:latin typeface="Georgia" pitchFamily="34" charset="0"/>
                 <a:ea typeface="Georgia" pitchFamily="34" charset="-122"/>
                 <a:cs typeface="Georgia" pitchFamily="34" charset="-120"/>
               </a:rPr>
-              <a:t>Write tests</a:t>
-            </a:r>
-            <a:endParaRPr lang="en-US" sz="1000" dirty="0"/>
-          </a:p>
-        </p:txBody>
-      </p:sp>
-      <p:sp>
-        <p:nvSpPr>
-          <p:cNvPr id="15" name="Shape 13"/>
-          <p:cNvSpPr/>
-          <p:nvPr/>
-        </p:nvSpPr>
-        <p:spPr>
-          <a:xfrm>
-            <a:off x="731520" y="3337560"/>
-            <a:ext cx="2286000" cy="411480"/>
+              <a:t>8 tools exposing Loki Mode to Claude Code via Model Context Protocol with full STDIO/HTTP transport</a:t>
+            </a:r>
+            <a:endParaRPr lang="en-US" sz="950" dirty="0"/>
+          </a:p>
+        </p:txBody>
+      </p:sp>
+      <p:sp>
+        <p:nvSpPr>
+          <p:cNvPr id="17" name="Shape 13"/>
+          <p:cNvSpPr/>
+          <p:nvPr/>
+        </p:nvSpPr>
+        <p:spPr>
+          <a:xfrm>
+            <a:off x="6126480" y="1554480"/>
+            <a:ext cx="2651760" cy="1280160"/>
           </a:xfrm>
           <a:prstGeom prst="rect">
             <a:avLst/>
@@ -7720,20 +7761,20 @@
       </p:sp>
       <p:sp>
         <p:nvSpPr>
-          <p:cNvPr id="16" name="Shape 14"/>
-          <p:cNvSpPr/>
-          <p:nvPr/>
-        </p:nvSpPr>
-        <p:spPr>
-          <a:xfrm>
-            <a:off x="731520" y="3337560"/>
-            <a:ext cx="54864" cy="411480"/>
-          </a:xfrm>
-          <a:prstGeom prst="rect">
-            <a:avLst/>
-          </a:prstGeom>
-          <a:solidFill>
-            <a:srgbClr val="D97757"/>
+          <p:cNvPr id="18" name="Shape 14"/>
+          <p:cNvSpPr/>
+          <p:nvPr/>
+        </p:nvSpPr>
+        <p:spPr>
+          <a:xfrm>
+            <a:off x="6126480" y="1554480"/>
+            <a:ext cx="2651760" cy="54864"/>
+          </a:xfrm>
+          <a:prstGeom prst="rect">
+            <a:avLst/>
+          </a:prstGeom>
+          <a:solidFill>
+            <a:srgbClr val="788C5D"/>
           </a:solidFill>
           <a:ln/>
         </p:spPr>
@@ -7747,14 +7788,65 @@
       </p:sp>
       <p:sp>
         <p:nvSpPr>
-          <p:cNvPr id="17" name="Text 15"/>
-          <p:cNvSpPr/>
-          <p:nvPr/>
-        </p:nvSpPr>
-        <p:spPr>
-          <a:xfrm>
-            <a:off x="868680" y="3337560"/>
-            <a:ext cx="2103120" cy="411480"/>
+          <p:cNvPr id="19" name="Shape 15"/>
+          <p:cNvSpPr/>
+          <p:nvPr/>
+        </p:nvSpPr>
+        <p:spPr>
+          <a:xfrm>
+            <a:off x="6263640" y="1737360"/>
+            <a:ext cx="365760" cy="365760"/>
+          </a:xfrm>
+          <a:prstGeom prst="ellipse">
+            <a:avLst/>
+          </a:prstGeom>
+          <a:solidFill>
+            <a:srgbClr val="788C5D"/>
+          </a:solidFill>
+          <a:ln/>
+        </p:spPr>
+        <p:txBody>
+          <a:bodyPr/>
+          <a:lstStyle/>
+          <a:p>
+            <a:endParaRPr lang="en-US"/>
+          </a:p>
+        </p:txBody>
+      </p:sp>
+      <p:pic>
+        <p:nvPicPr>
+          <p:cNvPr id="20" name="Image 2" descr="preencoded.png"/>
+          <p:cNvPicPr>
+            <a:picLocks noChangeAspect="1"/>
+          </p:cNvPicPr>
+          <p:nvPr/>
+        </p:nvPicPr>
+        <p:blipFill>
+          <a:blip r:embed="rId5"/>
+          <a:stretch>
+            <a:fillRect/>
+          </a:stretch>
+        </p:blipFill>
+        <p:spPr>
+          <a:xfrm>
+            <a:off x="6327648" y="1801368"/>
+            <a:ext cx="237744" cy="237744"/>
+          </a:xfrm>
+          <a:prstGeom prst="rect">
+            <a:avLst/>
+          </a:prstGeom>
+        </p:spPr>
+      </p:pic>
+      <p:sp>
+        <p:nvSpPr>
+          <p:cNvPr id="21" name="Text 16"/>
+          <p:cNvSpPr/>
+          <p:nvPr/>
+        </p:nvSpPr>
+        <p:spPr>
+          <a:xfrm>
+            <a:off x="6720840" y="1719072"/>
+            <a:ext cx="1920240" cy="365760"/>
           </a:xfrm>
           <a:prstGeom prst="rect">
             <a:avLst/>
@@ -7770,36 +7862,75 @@
               <a:buNone/>
             </a:pPr>
             <a:r>
-              <a:rPr lang="en-US" sz="1000" dirty="0">
+              <a:rPr lang="en-US" sz="1400" b="1" dirty="0">
                 <a:solidFill>
                   <a:srgbClr val="141413"/>
+                </a:solidFill>
+                <a:latin typeface="Poppins" pitchFamily="34" charset="0"/>
+                <a:ea typeface="Poppins" pitchFamily="34" charset="-122"/>
+                <a:cs typeface="Poppins" pitchFamily="34" charset="-120"/>
+              </a:rPr>
+              <a:t>Voice Input</a:t>
+            </a:r>
+            <a:endParaRPr lang="en-US" sz="1400" dirty="0"/>
+          </a:p>
+        </p:txBody>
+      </p:sp>
+      <p:sp>
+        <p:nvSpPr>
+          <p:cNvPr id="22" name="Text 17"/>
+          <p:cNvSpPr/>
+          <p:nvPr/>
+        </p:nvSpPr>
+        <p:spPr>
+          <a:xfrm>
+            <a:off x="6263640" y="2194560"/>
+            <a:ext cx="2377440" cy="548640"/>
+          </a:xfrm>
+          <a:prstGeom prst="rect">
+            <a:avLst/>
+          </a:prstGeom>
+          <a:noFill/>
+          <a:ln/>
+        </p:spPr>
+        <p:txBody>
+          <a:bodyPr wrap="square" lIns="0" tIns="0" rIns="0" bIns="0" rtlCol="0" anchor="ctr"/>
+          <a:lstStyle/>
+          <a:p>
+            <a:pPr marL="0" indent="0">
+              <a:buNone/>
+            </a:pPr>
+            <a:r>
+              <a:rPr lang="en-US" sz="950" dirty="0">
+                <a:solidFill>
+                  <a:srgbClr val="B0AEA5"/>
                 </a:solidFill>
                 <a:latin typeface="Georgia" pitchFamily="34" charset="0"/>
                 <a:ea typeface="Georgia" pitchFamily="34" charset="-122"/>
                 <a:cs typeface="Georgia" pitchFamily="34" charset="-120"/>
               </a:rPr>
-              <a:t>Docs</a:t>
-            </a:r>
-            <a:endParaRPr lang="en-US" sz="1000" dirty="0"/>
-          </a:p>
-        </p:txBody>
-      </p:sp>
-      <p:sp>
-        <p:nvSpPr>
-          <p:cNvPr id="18" name="Shape 16"/>
-          <p:cNvSpPr/>
-          <p:nvPr/>
-        </p:nvSpPr>
-        <p:spPr>
-          <a:xfrm>
-            <a:off x="3291840" y="1920240"/>
-            <a:ext cx="2468880" cy="2011680"/>
-          </a:xfrm>
-          <a:prstGeom prst="rect">
-            <a:avLst/>
-          </a:prstGeom>
-          <a:solidFill>
-            <a:srgbClr val="E8E6DC"/>
+              <a:t>Dictate PRDs using macOS Dictation, Whisper API, or local Whisper. Speak your startup into existence</a:t>
+            </a:r>
+            <a:endParaRPr lang="en-US" sz="950" dirty="0"/>
+          </a:p>
+        </p:txBody>
+      </p:sp>
+      <p:sp>
+        <p:nvSpPr>
+          <p:cNvPr id="23" name="Shape 18"/>
+          <p:cNvSpPr/>
+          <p:nvPr/>
+        </p:nvSpPr>
+        <p:spPr>
+          <a:xfrm>
+            <a:off x="457200" y="2971800"/>
+            <a:ext cx="2651760" cy="1280160"/>
+          </a:xfrm>
+          <a:prstGeom prst="rect">
+            <a:avLst/>
+          </a:prstGeom>
+          <a:solidFill>
+            <a:srgbClr val="FFFFFF"/>
           </a:solidFill>
           <a:ln/>
         </p:spPr>
@@ -7813,30 +7944,108 @@
       </p:sp>
       <p:sp>
         <p:nvSpPr>
-          <p:cNvPr id="19" name="Text 17"/>
-          <p:cNvSpPr/>
-          <p:nvPr/>
-        </p:nvSpPr>
-        <p:spPr>
-          <a:xfrm>
-            <a:off x="3291840" y="1965960"/>
-            <a:ext cx="2468880" cy="320040"/>
-          </a:xfrm>
-          <a:prstGeom prst="rect">
-            <a:avLst/>
-          </a:prstGeom>
-          <a:noFill/>
-          <a:ln/>
-        </p:spPr>
-        <p:txBody>
-          <a:bodyPr wrap="square" lIns="0" tIns="0" rIns="0" bIns="0" rtlCol="0" anchor="ctr"/>
-          <a:lstStyle/>
-          <a:p>
-            <a:pPr marL="0" indent="0" algn="ctr">
-              <a:buNone/>
-            </a:pPr>
-            <a:r>
-              <a:rPr lang="en-US" sz="1100" b="1" dirty="0">
+          <p:cNvPr id="24" name="Shape 19"/>
+          <p:cNvSpPr/>
+          <p:nvPr/>
+        </p:nvSpPr>
+        <p:spPr>
+          <a:xfrm>
+            <a:off x="457200" y="2971800"/>
+            <a:ext cx="2651760" cy="54864"/>
+          </a:xfrm>
+          <a:prstGeom prst="rect">
+            <a:avLst/>
+          </a:prstGeom>
+          <a:solidFill>
+            <a:srgbClr val="D97757"/>
+          </a:solidFill>
+          <a:ln/>
+        </p:spPr>
+        <p:txBody>
+          <a:bodyPr/>
+          <a:lstStyle/>
+          <a:p>
+            <a:endParaRPr lang="en-US"/>
+          </a:p>
+        </p:txBody>
+      </p:sp>
+      <p:sp>
+        <p:nvSpPr>
+          <p:cNvPr id="25" name="Shape 20"/>
+          <p:cNvSpPr/>
+          <p:nvPr/>
+        </p:nvSpPr>
+        <p:spPr>
+          <a:xfrm>
+            <a:off x="594360" y="3154680"/>
+            <a:ext cx="365760" cy="365760"/>
+          </a:xfrm>
+          <a:prstGeom prst="ellipse">
+            <a:avLst/>
+          </a:prstGeom>
+          <a:solidFill>
+            <a:srgbClr val="D97757"/>
+          </a:solidFill>
+          <a:ln/>
+        </p:spPr>
+        <p:txBody>
+          <a:bodyPr/>
+          <a:lstStyle/>
+          <a:p>
+            <a:endParaRPr lang="en-US"/>
+          </a:p>
+        </p:txBody>
+      </p:sp>
+      <p:pic>
+        <p:nvPicPr>
+          <p:cNvPr id="26" name="Image 3" descr="preencoded.png"/>
+          <p:cNvPicPr>
+            <a:picLocks noChangeAspect="1"/>
+          </p:cNvPicPr>
+          <p:nvPr/>
+        </p:nvPicPr>
+        <p:blipFill>
+          <a:blip r:embed="rId6"/>
+          <a:stretch>
+            <a:fillRect/>
+          </a:stretch>
+        </p:blipFill>
+        <p:spPr>
+          <a:xfrm>
+            <a:off x="658368" y="3218688"/>
+            <a:ext cx="237744" cy="237744"/>
+          </a:xfrm>
+          <a:prstGeom prst="rect">
+            <a:avLst/>
+          </a:prstGeom>
+        </p:spPr>
+      </p:pic>
+      <p:sp>
+        <p:nvSpPr>
+          <p:cNvPr id="27" name="Text 21"/>
+          <p:cNvSpPr/>
+          <p:nvPr/>
+        </p:nvSpPr>
+        <p:spPr>
+          <a:xfrm>
+            <a:off x="1051560" y="3136392"/>
+            <a:ext cx="1920240" cy="365760"/>
+          </a:xfrm>
+          <a:prstGeom prst="rect">
+            <a:avLst/>
+          </a:prstGeom>
+          <a:noFill/>
+          <a:ln/>
+        </p:spPr>
+        <p:txBody>
+          <a:bodyPr wrap="square" lIns="0" tIns="0" rIns="0" bIns="0" rtlCol="0" anchor="ctr"/>
+          <a:lstStyle/>
+          <a:p>
+            <a:pPr marL="0" indent="0">
+              <a:buNone/>
+            </a:pPr>
+            <a:r>
+              <a:rPr lang="en-US" sz="1400" b="1" dirty="0">
                 <a:solidFill>
                   <a:srgbClr val="141413"/>
                 </a:solidFill>
@@ -7844,76 +8053,22 @@
                 <a:ea typeface="Poppins" pitchFamily="34" charset="-122"/>
                 <a:cs typeface="Poppins" pitchFamily="34" charset="-120"/>
               </a:rPr>
-              <a:t>In Progress</a:t>
-            </a:r>
-            <a:endParaRPr lang="en-US" sz="1100" dirty="0"/>
-          </a:p>
-        </p:txBody>
-      </p:sp>
-      <p:sp>
-        <p:nvSpPr>
-          <p:cNvPr id="20" name="Shape 18"/>
-          <p:cNvSpPr/>
-          <p:nvPr/>
-        </p:nvSpPr>
-        <p:spPr>
-          <a:xfrm>
-            <a:off x="3383280" y="2331720"/>
-            <a:ext cx="2286000" cy="411480"/>
-          </a:xfrm>
-          <a:prstGeom prst="rect">
-            <a:avLst/>
-          </a:prstGeom>
-          <a:solidFill>
-            <a:srgbClr val="FFFFFF"/>
-          </a:solidFill>
-          <a:ln/>
-        </p:spPr>
-        <p:txBody>
-          <a:bodyPr/>
-          <a:lstStyle/>
-          <a:p>
-            <a:endParaRPr lang="en-US"/>
-          </a:p>
-        </p:txBody>
-      </p:sp>
-      <p:sp>
-        <p:nvSpPr>
-          <p:cNvPr id="21" name="Shape 19"/>
-          <p:cNvSpPr/>
-          <p:nvPr/>
-        </p:nvSpPr>
-        <p:spPr>
-          <a:xfrm>
-            <a:off x="3383280" y="2331720"/>
-            <a:ext cx="54864" cy="411480"/>
-          </a:xfrm>
-          <a:prstGeom prst="rect">
-            <a:avLst/>
-          </a:prstGeom>
-          <a:solidFill>
-            <a:srgbClr val="6A9BCC"/>
-          </a:solidFill>
-          <a:ln/>
-        </p:spPr>
-        <p:txBody>
-          <a:bodyPr/>
-          <a:lstStyle/>
-          <a:p>
-            <a:endParaRPr lang="en-US"/>
-          </a:p>
-        </p:txBody>
-      </p:sp>
-      <p:sp>
-        <p:nvSpPr>
-          <p:cNvPr id="22" name="Text 20"/>
-          <p:cNvSpPr/>
-          <p:nvPr/>
-        </p:nvSpPr>
-        <p:spPr>
-          <a:xfrm>
-            <a:off x="3520440" y="2331720"/>
-            <a:ext cx="2103120" cy="411480"/>
+              <a:t>Event Bus</a:t>
+            </a:r>
+            <a:endParaRPr lang="en-US" sz="1400" dirty="0"/>
+          </a:p>
+        </p:txBody>
+      </p:sp>
+      <p:sp>
+        <p:nvSpPr>
+          <p:cNvPr id="28" name="Text 22"/>
+          <p:cNvSpPr/>
+          <p:nvPr/>
+        </p:nvSpPr>
+        <p:spPr>
+          <a:xfrm>
+            <a:off x="594360" y="3611880"/>
+            <a:ext cx="2377440" cy="548640"/>
           </a:xfrm>
           <a:prstGeom prst="rect">
             <a:avLst/>
@@ -7929,30 +8084,30 @@
               <a:buNone/>
             </a:pPr>
             <a:r>
-              <a:rPr lang="en-US" sz="1000" dirty="0">
-                <a:solidFill>
-                  <a:srgbClr val="141413"/>
+              <a:rPr lang="en-US" sz="950" dirty="0">
+                <a:solidFill>
+                  <a:srgbClr val="B0AEA5"/>
                 </a:solidFill>
                 <a:latin typeface="Georgia" pitchFamily="34" charset="0"/>
                 <a:ea typeface="Georgia" pitchFamily="34" charset="-122"/>
                 <a:cs typeface="Georgia" pitchFamily="34" charset="-120"/>
               </a:rPr>
-              <a:t>API routes</a:t>
-            </a:r>
-            <a:endParaRPr lang="en-US" sz="1000" dirty="0"/>
-          </a:p>
-        </p:txBody>
-      </p:sp>
-      <p:sp>
-        <p:nvSpPr>
-          <p:cNvPr id="23" name="Shape 21"/>
-          <p:cNvSpPr/>
-          <p:nvPr/>
-        </p:nvSpPr>
-        <p:spPr>
-          <a:xfrm>
-            <a:off x="3383280" y="2834640"/>
-            <a:ext cx="2286000" cy="411480"/>
+              <a:t>Cross-process pub/sub system. Python, TypeScript, Bash. File-based persistence survives crashes</a:t>
+            </a:r>
+            <a:endParaRPr lang="en-US" sz="950" dirty="0"/>
+          </a:p>
+        </p:txBody>
+      </p:sp>
+      <p:sp>
+        <p:nvSpPr>
+          <p:cNvPr id="29" name="Shape 23"/>
+          <p:cNvSpPr/>
+          <p:nvPr/>
+        </p:nvSpPr>
+        <p:spPr>
+          <a:xfrm>
+            <a:off x="3291840" y="2971800"/>
+            <a:ext cx="2651760" cy="1280160"/>
           </a:xfrm>
           <a:prstGeom prst="rect">
             <a:avLst/>
@@ -7972,14 +8127,14 @@
       </p:sp>
       <p:sp>
         <p:nvSpPr>
-          <p:cNvPr id="24" name="Shape 22"/>
-          <p:cNvSpPr/>
-          <p:nvPr/>
-        </p:nvSpPr>
-        <p:spPr>
-          <a:xfrm>
-            <a:off x="3383280" y="2834640"/>
-            <a:ext cx="54864" cy="411480"/>
+          <p:cNvPr id="30" name="Shape 24"/>
+          <p:cNvSpPr/>
+          <p:nvPr/>
+        </p:nvSpPr>
+        <p:spPr>
+          <a:xfrm>
+            <a:off x="3291840" y="2971800"/>
+            <a:ext cx="2651760" cy="54864"/>
           </a:xfrm>
           <a:prstGeom prst="rect">
             <a:avLst/>
@@ -7999,14 +8154,65 @@
       </p:sp>
       <p:sp>
         <p:nvSpPr>
-          <p:cNvPr id="25" name="Text 23"/>
-          <p:cNvSpPr/>
-          <p:nvPr/>
-        </p:nvSpPr>
-        <p:spPr>
-          <a:xfrm>
-            <a:off x="3520440" y="2834640"/>
-            <a:ext cx="2103120" cy="411480"/>
+          <p:cNvPr id="31" name="Shape 25"/>
+          <p:cNvSpPr/>
+          <p:nvPr/>
+        </p:nvSpPr>
+        <p:spPr>
+          <a:xfrm>
+            <a:off x="3429000" y="3154680"/>
+            <a:ext cx="365760" cy="365760"/>
+          </a:xfrm>
+          <a:prstGeom prst="ellipse">
+            <a:avLst/>
+          </a:prstGeom>
+          <a:solidFill>
+            <a:srgbClr val="6A9BCC"/>
+          </a:solidFill>
+          <a:ln/>
+        </p:spPr>
+        <p:txBody>
+          <a:bodyPr/>
+          <a:lstStyle/>
+          <a:p>
+            <a:endParaRPr lang="en-US"/>
+          </a:p>
+        </p:txBody>
+      </p:sp>
+      <p:pic>
+        <p:nvPicPr>
+          <p:cNvPr id="32" name="Image 4" descr="preencoded.png"/>
+          <p:cNvPicPr>
+            <a:picLocks noChangeAspect="1"/>
+          </p:cNvPicPr>
+          <p:nvPr/>
+        </p:nvPicPr>
+        <p:blipFill>
+          <a:blip r:embed="rId7"/>
+          <a:stretch>
+            <a:fillRect/>
+          </a:stretch>
+        </p:blipFill>
+        <p:spPr>
+          <a:xfrm>
+            <a:off x="3493008" y="3218688"/>
+            <a:ext cx="237744" cy="237744"/>
+          </a:xfrm>
+          <a:prstGeom prst="rect">
+            <a:avLst/>
+          </a:prstGeom>
+        </p:spPr>
+      </p:pic>
+      <p:sp>
+        <p:nvSpPr>
+          <p:cNvPr id="33" name="Text 26"/>
+          <p:cNvSpPr/>
+          <p:nvPr/>
+        </p:nvSpPr>
+        <p:spPr>
+          <a:xfrm>
+            <a:off x="3886200" y="3136392"/>
+            <a:ext cx="1920240" cy="365760"/>
           </a:xfrm>
           <a:prstGeom prst="rect">
             <a:avLst/>
@@ -8022,30 +8228,69 @@
               <a:buNone/>
             </a:pPr>
             <a:r>
-              <a:rPr lang="en-US" sz="1000" dirty="0">
+              <a:rPr lang="en-US" sz="1400" b="1" dirty="0">
                 <a:solidFill>
                   <a:srgbClr val="141413"/>
+                </a:solidFill>
+                <a:latin typeface="Poppins" pitchFamily="34" charset="0"/>
+                <a:ea typeface="Poppins" pitchFamily="34" charset="-122"/>
+                <a:cs typeface="Poppins" pitchFamily="34" charset="-120"/>
+              </a:rPr>
+              <a:t>VS Code Extension</a:t>
+            </a:r>
+            <a:endParaRPr lang="en-US" sz="1400" dirty="0"/>
+          </a:p>
+        </p:txBody>
+      </p:sp>
+      <p:sp>
+        <p:nvSpPr>
+          <p:cNvPr id="34" name="Text 27"/>
+          <p:cNvSpPr/>
+          <p:nvPr/>
+        </p:nvSpPr>
+        <p:spPr>
+          <a:xfrm>
+            <a:off x="3429000" y="3611880"/>
+            <a:ext cx="2377440" cy="548640"/>
+          </a:xfrm>
+          <a:prstGeom prst="rect">
+            <a:avLst/>
+          </a:prstGeom>
+          <a:noFill/>
+          <a:ln/>
+        </p:spPr>
+        <p:txBody>
+          <a:bodyPr wrap="square" lIns="0" tIns="0" rIns="0" bIns="0" rtlCol="0" anchor="ctr"/>
+          <a:lstStyle/>
+          <a:p>
+            <a:pPr marL="0" indent="0">
+              <a:buNone/>
+            </a:pPr>
+            <a:r>
+              <a:rPr lang="en-US" sz="950" dirty="0">
+                <a:solidFill>
+                  <a:srgbClr val="B0AEA5"/>
                 </a:solidFill>
                 <a:latin typeface="Georgia" pitchFamily="34" charset="0"/>
                 <a:ea typeface="Georgia" pitchFamily="34" charset="-122"/>
                 <a:cs typeface="Georgia" pitchFamily="34" charset="-120"/>
               </a:rPr>
-              <a:t>Auth flow</a:t>
-            </a:r>
-            <a:endParaRPr lang="en-US" sz="1000" dirty="0"/>
-          </a:p>
-        </p:txBody>
-      </p:sp>
-      <p:sp>
-        <p:nvSpPr>
-          <p:cNvPr id="26" name="Shape 24"/>
-          <p:cNvSpPr/>
-          <p:nvPr/>
-        </p:nvSpPr>
-        <p:spPr>
-          <a:xfrm>
-            <a:off x="3383280" y="3337560"/>
-            <a:ext cx="2286000" cy="411480"/>
+              <a:t>Memory sidebar, token economics panel. See patterns, episodes, and skills right in your editor</a:t>
+            </a:r>
+            <a:endParaRPr lang="en-US" sz="950" dirty="0"/>
+          </a:p>
+        </p:txBody>
+      </p:sp>
+      <p:sp>
+        <p:nvSpPr>
+          <p:cNvPr id="35" name="Shape 28"/>
+          <p:cNvSpPr/>
+          <p:nvPr/>
+        </p:nvSpPr>
+        <p:spPr>
+          <a:xfrm>
+            <a:off x="6126480" y="2971800"/>
+            <a:ext cx="2651760" cy="1280160"/>
           </a:xfrm>
           <a:prstGeom prst="rect">
             <a:avLst/>
@@ -8065,20 +8310,20 @@
       </p:sp>
       <p:sp>
         <p:nvSpPr>
-          <p:cNvPr id="27" name="Shape 25"/>
-          <p:cNvSpPr/>
-          <p:nvPr/>
-        </p:nvSpPr>
-        <p:spPr>
-          <a:xfrm>
-            <a:off x="3383280" y="3337560"/>
-            <a:ext cx="54864" cy="411480"/>
-          </a:xfrm>
-          <a:prstGeom prst="rect">
-            <a:avLst/>
-          </a:prstGeom>
-          <a:solidFill>
-            <a:srgbClr val="6A9BCC"/>
+          <p:cNvPr id="36" name="Shape 29"/>
+          <p:cNvSpPr/>
+          <p:nvPr/>
+        </p:nvSpPr>
+        <p:spPr>
+          <a:xfrm>
+            <a:off x="6126480" y="2971800"/>
+            <a:ext cx="2651760" cy="54864"/>
+          </a:xfrm>
+          <a:prstGeom prst="rect">
+            <a:avLst/>
+          </a:prstGeom>
+          <a:solidFill>
+            <a:srgbClr val="788C5D"/>
           </a:solidFill>
           <a:ln/>
         </p:spPr>
@@ -8092,14 +8337,65 @@
       </p:sp>
       <p:sp>
         <p:nvSpPr>
-          <p:cNvPr id="28" name="Text 26"/>
-          <p:cNvSpPr/>
-          <p:nvPr/>
-        </p:nvSpPr>
-        <p:spPr>
-          <a:xfrm>
-            <a:off x="3520440" y="3337560"/>
-            <a:ext cx="2103120" cy="411480"/>
+          <p:cNvPr id="37" name="Shape 30"/>
+          <p:cNvSpPr/>
+          <p:nvPr/>
+        </p:nvSpPr>
+        <p:spPr>
+          <a:xfrm>
+            <a:off x="6263640" y="3154680"/>
+            <a:ext cx="365760" cy="365760"/>
+          </a:xfrm>
+          <a:prstGeom prst="ellipse">
+            <a:avLst/>
+          </a:prstGeom>
+          <a:solidFill>
+            <a:srgbClr val="788C5D"/>
+          </a:solidFill>
+          <a:ln/>
+        </p:spPr>
+        <p:txBody>
+          <a:bodyPr/>
+          <a:lstStyle/>
+          <a:p>
+            <a:endParaRPr lang="en-US"/>
+          </a:p>
+        </p:txBody>
+      </p:sp>
+      <p:pic>
+        <p:nvPicPr>
+          <p:cNvPr id="38" name="Image 5" descr="preencoded.png"/>
+          <p:cNvPicPr>
+            <a:picLocks noChangeAspect="1"/>
+          </p:cNvPicPr>
+          <p:nvPr/>
+        </p:nvPicPr>
+        <p:blipFill>
+          <a:blip r:embed="rId8"/>
+          <a:stretch>
+            <a:fillRect/>
+          </a:stretch>
+        </p:blipFill>
+        <p:spPr>
+          <a:xfrm>
+            <a:off x="6327648" y="3218688"/>
+            <a:ext cx="237744" cy="237744"/>
+          </a:xfrm>
+          <a:prstGeom prst="rect">
+            <a:avLst/>
+          </a:prstGeom>
+        </p:spPr>
+      </p:pic>
+      <p:sp>
+        <p:nvSpPr>
+          <p:cNvPr id="39" name="Text 31"/>
+          <p:cNvSpPr/>
+          <p:nvPr/>
+        </p:nvSpPr>
+        <p:spPr>
+          <a:xfrm>
+            <a:off x="6720840" y="3136392"/>
+            <a:ext cx="1920240" cy="365760"/>
           </a:xfrm>
           <a:prstGeom prst="rect">
             <a:avLst/>
@@ -8115,57 +8411,69 @@
               <a:buNone/>
             </a:pPr>
             <a:r>
-              <a:rPr lang="en-US" sz="1000" dirty="0">
+              <a:rPr lang="en-US" sz="1400" b="1" dirty="0">
                 <a:solidFill>
                   <a:srgbClr val="141413"/>
+                </a:solidFill>
+                <a:latin typeface="Poppins" pitchFamily="34" charset="0"/>
+                <a:ea typeface="Poppins" pitchFamily="34" charset="-122"/>
+                <a:cs typeface="Poppins" pitchFamily="34" charset="-120"/>
+              </a:rPr>
+              <a:t>Lifecycle Hooks</a:t>
+            </a:r>
+            <a:endParaRPr lang="en-US" sz="1400" dirty="0"/>
+          </a:p>
+        </p:txBody>
+      </p:sp>
+      <p:sp>
+        <p:nvSpPr>
+          <p:cNvPr id="40" name="Text 32"/>
+          <p:cNvSpPr/>
+          <p:nvPr/>
+        </p:nvSpPr>
+        <p:spPr>
+          <a:xfrm>
+            <a:off x="6263640" y="3611880"/>
+            <a:ext cx="2377440" cy="548640"/>
+          </a:xfrm>
+          <a:prstGeom prst="rect">
+            <a:avLst/>
+          </a:prstGeom>
+          <a:noFill/>
+          <a:ln/>
+        </p:spPr>
+        <p:txBody>
+          <a:bodyPr wrap="square" lIns="0" tIns="0" rIns="0" bIns="0" rtlCol="0" anchor="ctr"/>
+          <a:lstStyle/>
+          <a:p>
+            <a:pPr marL="0" indent="0">
+              <a:buNone/>
+            </a:pPr>
+            <a:r>
+              <a:rPr lang="en-US" sz="950" dirty="0">
+                <a:solidFill>
+                  <a:srgbClr val="B0AEA5"/>
                 </a:solidFill>
                 <a:latin typeface="Georgia" pitchFamily="34" charset="0"/>
                 <a:ea typeface="Georgia" pitchFamily="34" charset="-122"/>
                 <a:cs typeface="Georgia" pitchFamily="34" charset="-120"/>
               </a:rPr>
-              <a:t>DB schema</a:t>
-            </a:r>
-            <a:endParaRPr lang="en-US" sz="1000" dirty="0"/>
-          </a:p>
-        </p:txBody>
-      </p:sp>
-      <p:sp>
-        <p:nvSpPr>
-          <p:cNvPr id="29" name="Shape 27"/>
-          <p:cNvSpPr/>
-          <p:nvPr/>
-        </p:nvSpPr>
-        <p:spPr>
-          <a:xfrm>
-            <a:off x="5943600" y="1920240"/>
-            <a:ext cx="2468880" cy="2011680"/>
-          </a:xfrm>
-          <a:prstGeom prst="rect">
-            <a:avLst/>
-          </a:prstGeom>
-          <a:solidFill>
-            <a:srgbClr val="E8E6DC"/>
-          </a:solidFill>
-          <a:ln/>
-        </p:spPr>
-        <p:txBody>
-          <a:bodyPr/>
-          <a:lstStyle/>
-          <a:p>
-            <a:endParaRPr lang="en-US"/>
-          </a:p>
-        </p:txBody>
-      </p:sp>
-      <p:sp>
-        <p:nvSpPr>
-          <p:cNvPr id="30" name="Text 28"/>
-          <p:cNvSpPr/>
-          <p:nvPr/>
-        </p:nvSpPr>
-        <p:spPr>
-          <a:xfrm>
-            <a:off x="5943600" y="1965960"/>
-            <a:ext cx="2468880" cy="320040"/>
+              <a:t>SessionStart to SessionEnd. Security validation, quality gates, metric tracking, episode storage</a:t>
+            </a:r>
+            <a:endParaRPr lang="en-US" sz="950" dirty="0"/>
+          </a:p>
+        </p:txBody>
+      </p:sp>
+      <p:sp>
+        <p:nvSpPr>
+          <p:cNvPr id="41" name="Text 33"/>
+          <p:cNvSpPr/>
+          <p:nvPr/>
+        </p:nvSpPr>
+        <p:spPr>
+          <a:xfrm>
+            <a:off x="457200" y="4526280"/>
+            <a:ext cx="8229600" cy="274320"/>
           </a:xfrm>
           <a:prstGeom prst="rect">
             <a:avLst/>
@@ -8181,528 +8489,15 @@
               <a:buNone/>
             </a:pPr>
             <a:r>
-              <a:rPr lang="en-US" sz="1100" b="1" dirty="0">
-                <a:solidFill>
-                  <a:srgbClr val="141413"/>
-                </a:solidFill>
-                <a:latin typeface="Poppins" pitchFamily="34" charset="0"/>
-                <a:ea typeface="Poppins" pitchFamily="34" charset="-122"/>
-                <a:cs typeface="Poppins" pitchFamily="34" charset="-120"/>
-              </a:rPr>
-              <a:t>Deployed</a:t>
-            </a:r>
-            <a:endParaRPr lang="en-US" sz="1100" dirty="0"/>
-          </a:p>
-        </p:txBody>
-      </p:sp>
-      <p:sp>
-        <p:nvSpPr>
-          <p:cNvPr id="31" name="Shape 29"/>
-          <p:cNvSpPr/>
-          <p:nvPr/>
-        </p:nvSpPr>
-        <p:spPr>
-          <a:xfrm>
-            <a:off x="6035040" y="2331720"/>
-            <a:ext cx="2286000" cy="411480"/>
-          </a:xfrm>
-          <a:prstGeom prst="rect">
-            <a:avLst/>
-          </a:prstGeom>
-          <a:solidFill>
-            <a:srgbClr val="FFFFFF"/>
-          </a:solidFill>
-          <a:ln/>
-        </p:spPr>
-        <p:txBody>
-          <a:bodyPr/>
-          <a:lstStyle/>
-          <a:p>
-            <a:endParaRPr lang="en-US"/>
-          </a:p>
-        </p:txBody>
-      </p:sp>
-      <p:sp>
-        <p:nvSpPr>
-          <p:cNvPr id="32" name="Shape 30"/>
-          <p:cNvSpPr/>
-          <p:nvPr/>
-        </p:nvSpPr>
-        <p:spPr>
-          <a:xfrm>
-            <a:off x="6035040" y="2331720"/>
-            <a:ext cx="54864" cy="411480"/>
-          </a:xfrm>
-          <a:prstGeom prst="rect">
-            <a:avLst/>
-          </a:prstGeom>
-          <a:solidFill>
-            <a:srgbClr val="788C5D"/>
-          </a:solidFill>
-          <a:ln/>
-        </p:spPr>
-        <p:txBody>
-          <a:bodyPr/>
-          <a:lstStyle/>
-          <a:p>
-            <a:endParaRPr lang="en-US"/>
-          </a:p>
-        </p:txBody>
-      </p:sp>
-      <p:sp>
-        <p:nvSpPr>
-          <p:cNvPr id="33" name="Text 31"/>
-          <p:cNvSpPr/>
-          <p:nvPr/>
-        </p:nvSpPr>
-        <p:spPr>
-          <a:xfrm>
-            <a:off x="6172200" y="2331720"/>
-            <a:ext cx="2103120" cy="411480"/>
-          </a:xfrm>
-          <a:prstGeom prst="rect">
-            <a:avLst/>
-          </a:prstGeom>
-          <a:noFill/>
-          <a:ln/>
-        </p:spPr>
-        <p:txBody>
-          <a:bodyPr wrap="square" lIns="0" tIns="0" rIns="0" bIns="0" rtlCol="0" anchor="ctr"/>
-          <a:lstStyle/>
-          <a:p>
-            <a:pPr marL="0" indent="0">
-              <a:buNone/>
-            </a:pPr>
-            <a:r>
               <a:rPr lang="en-US" sz="1000" dirty="0">
                 <a:solidFill>
-                  <a:srgbClr val="141413"/>
+                  <a:srgbClr val="B0AEA5"/>
                 </a:solidFill>
                 <a:latin typeface="Georgia" pitchFamily="34" charset="0"/>
                 <a:ea typeface="Georgia" pitchFamily="34" charset="-122"/>
                 <a:cs typeface="Georgia" pitchFamily="34" charset="-120"/>
               </a:rPr>
-              <a:t>Landing</a:t>
-            </a:r>
-            <a:endParaRPr lang="en-US" sz="1000" dirty="0"/>
-          </a:p>
-        </p:txBody>
-      </p:sp>
-      <p:sp>
-        <p:nvSpPr>
-          <p:cNvPr id="34" name="Shape 32"/>
-          <p:cNvSpPr/>
-          <p:nvPr/>
-        </p:nvSpPr>
-        <p:spPr>
-          <a:xfrm>
-            <a:off x="6035040" y="2834640"/>
-            <a:ext cx="2286000" cy="411480"/>
-          </a:xfrm>
-          <a:prstGeom prst="rect">
-            <a:avLst/>
-          </a:prstGeom>
-          <a:solidFill>
-            <a:srgbClr val="FFFFFF"/>
-          </a:solidFill>
-          <a:ln/>
-        </p:spPr>
-        <p:txBody>
-          <a:bodyPr/>
-          <a:lstStyle/>
-          <a:p>
-            <a:endParaRPr lang="en-US"/>
-          </a:p>
-        </p:txBody>
-      </p:sp>
-      <p:sp>
-        <p:nvSpPr>
-          <p:cNvPr id="35" name="Shape 33"/>
-          <p:cNvSpPr/>
-          <p:nvPr/>
-        </p:nvSpPr>
-        <p:spPr>
-          <a:xfrm>
-            <a:off x="6035040" y="2834640"/>
-            <a:ext cx="54864" cy="411480"/>
-          </a:xfrm>
-          <a:prstGeom prst="rect">
-            <a:avLst/>
-          </a:prstGeom>
-          <a:solidFill>
-            <a:srgbClr val="788C5D"/>
-          </a:solidFill>
-          <a:ln/>
-        </p:spPr>
-        <p:txBody>
-          <a:bodyPr/>
-          <a:lstStyle/>
-          <a:p>
-            <a:endParaRPr lang="en-US"/>
-          </a:p>
-        </p:txBody>
-      </p:sp>
-      <p:sp>
-        <p:nvSpPr>
-          <p:cNvPr id="36" name="Text 34"/>
-          <p:cNvSpPr/>
-          <p:nvPr/>
-        </p:nvSpPr>
-        <p:spPr>
-          <a:xfrm>
-            <a:off x="6172200" y="2834640"/>
-            <a:ext cx="2103120" cy="411480"/>
-          </a:xfrm>
-          <a:prstGeom prst="rect">
-            <a:avLst/>
-          </a:prstGeom>
-          <a:noFill/>
-          <a:ln/>
-        </p:spPr>
-        <p:txBody>
-          <a:bodyPr wrap="square" lIns="0" tIns="0" rIns="0" bIns="0" rtlCol="0" anchor="ctr"/>
-          <a:lstStyle/>
-          <a:p>
-            <a:pPr marL="0" indent="0">
-              <a:buNone/>
-            </a:pPr>
-            <a:r>
-              <a:rPr lang="en-US" sz="1000" dirty="0">
-                <a:solidFill>
-                  <a:srgbClr val="141413"/>
-                </a:solidFill>
-                <a:latin typeface="Georgia" pitchFamily="34" charset="0"/>
-                <a:ea typeface="Georgia" pitchFamily="34" charset="-122"/>
-                <a:cs typeface="Georgia" pitchFamily="34" charset="-120"/>
-              </a:rPr>
-              <a:t>Analytics</a:t>
-            </a:r>
-            <a:endParaRPr lang="en-US" sz="1000" dirty="0"/>
-          </a:p>
-        </p:txBody>
-      </p:sp>
-      <p:sp>
-        <p:nvSpPr>
-          <p:cNvPr id="37" name="Shape 35"/>
-          <p:cNvSpPr/>
-          <p:nvPr/>
-        </p:nvSpPr>
-        <p:spPr>
-          <a:xfrm>
-            <a:off x="6035040" y="3337560"/>
-            <a:ext cx="2286000" cy="411480"/>
-          </a:xfrm>
-          <a:prstGeom prst="rect">
-            <a:avLst/>
-          </a:prstGeom>
-          <a:solidFill>
-            <a:srgbClr val="FFFFFF"/>
-          </a:solidFill>
-          <a:ln/>
-        </p:spPr>
-        <p:txBody>
-          <a:bodyPr/>
-          <a:lstStyle/>
-          <a:p>
-            <a:endParaRPr lang="en-US"/>
-          </a:p>
-        </p:txBody>
-      </p:sp>
-      <p:sp>
-        <p:nvSpPr>
-          <p:cNvPr id="38" name="Shape 36"/>
-          <p:cNvSpPr/>
-          <p:nvPr/>
-        </p:nvSpPr>
-        <p:spPr>
-          <a:xfrm>
-            <a:off x="6035040" y="3337560"/>
-            <a:ext cx="54864" cy="411480"/>
-          </a:xfrm>
-          <a:prstGeom prst="rect">
-            <a:avLst/>
-          </a:prstGeom>
-          <a:solidFill>
-            <a:srgbClr val="788C5D"/>
-          </a:solidFill>
-          <a:ln/>
-        </p:spPr>
-        <p:txBody>
-          <a:bodyPr/>
-          <a:lstStyle/>
-          <a:p>
-            <a:endParaRPr lang="en-US"/>
-          </a:p>
-        </p:txBody>
-      </p:sp>
-      <p:sp>
-        <p:nvSpPr>
-          <p:cNvPr id="39" name="Text 37"/>
-          <p:cNvSpPr/>
-          <p:nvPr/>
-        </p:nvSpPr>
-        <p:spPr>
-          <a:xfrm>
-            <a:off x="6172200" y="3337560"/>
-            <a:ext cx="2103120" cy="411480"/>
-          </a:xfrm>
-          <a:prstGeom prst="rect">
-            <a:avLst/>
-          </a:prstGeom>
-          <a:noFill/>
-          <a:ln/>
-        </p:spPr>
-        <p:txBody>
-          <a:bodyPr wrap="square" lIns="0" tIns="0" rIns="0" bIns="0" rtlCol="0" anchor="ctr"/>
-          <a:lstStyle/>
-          <a:p>
-            <a:pPr marL="0" indent="0">
-              <a:buNone/>
-            </a:pPr>
-            <a:r>
-              <a:rPr lang="en-US" sz="1000" dirty="0">
-                <a:solidFill>
-                  <a:srgbClr val="141413"/>
-                </a:solidFill>
-                <a:latin typeface="Georgia" pitchFamily="34" charset="0"/>
-                <a:ea typeface="Georgia" pitchFamily="34" charset="-122"/>
-                <a:cs typeface="Georgia" pitchFamily="34" charset="-120"/>
-              </a:rPr>
-              <a:t>Deploy</a:t>
-            </a:r>
-            <a:endParaRPr lang="en-US" sz="1000" dirty="0"/>
-          </a:p>
-        </p:txBody>
-      </p:sp>
-      <p:sp>
-        <p:nvSpPr>
-          <p:cNvPr id="40" name="Text 38"/>
-          <p:cNvSpPr/>
-          <p:nvPr/>
-        </p:nvSpPr>
-        <p:spPr>
-          <a:xfrm>
-            <a:off x="457200" y="4251960"/>
-            <a:ext cx="2651760" cy="274320"/>
-          </a:xfrm>
-          <a:prstGeom prst="rect">
-            <a:avLst/>
-          </a:prstGeom>
-          <a:noFill/>
-          <a:ln/>
-        </p:spPr>
-        <p:txBody>
-          <a:bodyPr wrap="square" lIns="0" tIns="0" rIns="0" bIns="0" rtlCol="0" anchor="ctr"/>
-          <a:lstStyle/>
-          <a:p>
-            <a:pPr marL="0" indent="0" algn="ctr">
-              <a:buNone/>
-            </a:pPr>
-            <a:r>
-              <a:rPr lang="en-US" sz="1200" b="1" dirty="0">
-                <a:solidFill>
-                  <a:srgbClr val="D97757"/>
-                </a:solidFill>
-                <a:latin typeface="Poppins" pitchFamily="34" charset="0"/>
-                <a:ea typeface="Poppins" pitchFamily="34" charset="-122"/>
-                <a:cs typeface="Poppins" pitchFamily="34" charset="-120"/>
-              </a:rPr>
-              <a:t>Live Kanban</a:t>
-            </a:r>
-            <a:endParaRPr lang="en-US" sz="1200" dirty="0"/>
-          </a:p>
-        </p:txBody>
-      </p:sp>
-      <p:sp>
-        <p:nvSpPr>
-          <p:cNvPr id="41" name="Text 39"/>
-          <p:cNvSpPr/>
-          <p:nvPr/>
-        </p:nvSpPr>
-        <p:spPr>
-          <a:xfrm>
-            <a:off x="457200" y="4480560"/>
-            <a:ext cx="2651760" cy="320040"/>
-          </a:xfrm>
-          <a:prstGeom prst="rect">
-            <a:avLst/>
-          </a:prstGeom>
-          <a:noFill/>
-          <a:ln/>
-        </p:spPr>
-        <p:txBody>
-          <a:bodyPr wrap="square" lIns="0" tIns="0" rIns="0" bIns="0" rtlCol="0" anchor="ctr"/>
-          <a:lstStyle/>
-          <a:p>
-            <a:pPr marL="0" indent="0" algn="ctr">
-              <a:buNone/>
-            </a:pPr>
-            <a:r>
-              <a:rPr lang="en-US" sz="1000" dirty="0">
-                <a:solidFill>
-                  <a:srgbClr val="B0AEA5"/>
-                </a:solidFill>
-                <a:latin typeface="Georgia" pitchFamily="34" charset="0"/>
-                <a:ea typeface="Georgia" pitchFamily="34" charset="-122"/>
-                <a:cs typeface="Georgia" pitchFamily="34" charset="-120"/>
-              </a:rPr>
-              <a:t>Watch tasks flow in real-time</a:t>
-            </a:r>
-            <a:endParaRPr lang="en-US" sz="1000" dirty="0"/>
-          </a:p>
-        </p:txBody>
-      </p:sp>
-      <p:sp>
-        <p:nvSpPr>
-          <p:cNvPr id="42" name="Text 40"/>
-          <p:cNvSpPr/>
-          <p:nvPr/>
-        </p:nvSpPr>
-        <p:spPr>
-          <a:xfrm>
-            <a:off x="3291840" y="4251960"/>
-            <a:ext cx="2651760" cy="274320"/>
-          </a:xfrm>
-          <a:prstGeom prst="rect">
-            <a:avLst/>
-          </a:prstGeom>
-          <a:noFill/>
-          <a:ln/>
-        </p:spPr>
-        <p:txBody>
-          <a:bodyPr wrap="square" lIns="0" tIns="0" rIns="0" bIns="0" rtlCol="0" anchor="ctr"/>
-          <a:lstStyle/>
-          <a:p>
-            <a:pPr marL="0" indent="0" algn="ctr">
-              <a:buNone/>
-            </a:pPr>
-            <a:r>
-              <a:rPr lang="en-US" sz="1200" b="1" dirty="0">
-                <a:solidFill>
-                  <a:srgbClr val="D97757"/>
-                </a:solidFill>
-                <a:latin typeface="Poppins" pitchFamily="34" charset="0"/>
-                <a:ea typeface="Poppins" pitchFamily="34" charset="-122"/>
-                <a:cs typeface="Poppins" pitchFamily="34" charset="-120"/>
-              </a:rPr>
-              <a:t>Agent Monitor</a:t>
-            </a:r>
-            <a:endParaRPr lang="en-US" sz="1200" dirty="0"/>
-          </a:p>
-        </p:txBody>
-      </p:sp>
-      <p:sp>
-        <p:nvSpPr>
-          <p:cNvPr id="43" name="Text 41"/>
-          <p:cNvSpPr/>
-          <p:nvPr/>
-        </p:nvSpPr>
-        <p:spPr>
-          <a:xfrm>
-            <a:off x="3291840" y="4480560"/>
-            <a:ext cx="2651760" cy="320040"/>
-          </a:xfrm>
-          <a:prstGeom prst="rect">
-            <a:avLst/>
-          </a:prstGeom>
-          <a:noFill/>
-          <a:ln/>
-        </p:spPr>
-        <p:txBody>
-          <a:bodyPr wrap="square" lIns="0" tIns="0" rIns="0" bIns="0" rtlCol="0" anchor="ctr"/>
-          <a:lstStyle/>
-          <a:p>
-            <a:pPr marL="0" indent="0" algn="ctr">
-              <a:buNone/>
-            </a:pPr>
-            <a:r>
-              <a:rPr lang="en-US" sz="1000" dirty="0">
-                <a:solidFill>
-                  <a:srgbClr val="B0AEA5"/>
-                </a:solidFill>
-                <a:latin typeface="Georgia" pitchFamily="34" charset="0"/>
-                <a:ea typeface="Georgia" pitchFamily="34" charset="-122"/>
-                <a:cs typeface="Georgia" pitchFamily="34" charset="-120"/>
-              </a:rPr>
-              <a:t>47+ agents thinking live</a:t>
-            </a:r>
-            <a:endParaRPr lang="en-US" sz="1000" dirty="0"/>
-          </a:p>
-        </p:txBody>
-      </p:sp>
-      <p:sp>
-        <p:nvSpPr>
-          <p:cNvPr id="44" name="Text 42"/>
-          <p:cNvSpPr/>
-          <p:nvPr/>
-        </p:nvSpPr>
-        <p:spPr>
-          <a:xfrm>
-            <a:off x="6126480" y="4251960"/>
-            <a:ext cx="2651760" cy="274320"/>
-          </a:xfrm>
-          <a:prstGeom prst="rect">
-            <a:avLst/>
-          </a:prstGeom>
-          <a:noFill/>
-          <a:ln/>
-        </p:spPr>
-        <p:txBody>
-          <a:bodyPr wrap="square" lIns="0" tIns="0" rIns="0" bIns="0" rtlCol="0" anchor="ctr"/>
-          <a:lstStyle/>
-          <a:p>
-            <a:pPr marL="0" indent="0" algn="ctr">
-              <a:buNone/>
-            </a:pPr>
-            <a:r>
-              <a:rPr lang="en-US" sz="1200" b="1" dirty="0">
-                <a:solidFill>
-                  <a:srgbClr val="D97757"/>
-                </a:solidFill>
-                <a:latin typeface="Poppins" pitchFamily="34" charset="0"/>
-                <a:ea typeface="Poppins" pitchFamily="34" charset="-122"/>
-                <a:cs typeface="Poppins" pitchFamily="34" charset="-120"/>
-              </a:rPr>
-              <a:t>Full Control</a:t>
-            </a:r>
-            <a:endParaRPr lang="en-US" sz="1200" dirty="0"/>
-          </a:p>
-        </p:txBody>
-      </p:sp>
-      <p:sp>
-        <p:nvSpPr>
-          <p:cNvPr id="45" name="Text 43"/>
-          <p:cNvSpPr/>
-          <p:nvPr/>
-        </p:nvSpPr>
-        <p:spPr>
-          <a:xfrm>
-            <a:off x="6126480" y="4480560"/>
-            <a:ext cx="2651760" cy="320040"/>
-          </a:xfrm>
-          <a:prstGeom prst="rect">
-            <a:avLst/>
-          </a:prstGeom>
-          <a:noFill/>
-          <a:ln/>
-        </p:spPr>
-        <p:txBody>
-          <a:bodyPr wrap="square" lIns="0" tIns="0" rIns="0" bIns="0" rtlCol="0" anchor="ctr"/>
-          <a:lstStyle/>
-          <a:p>
-            <a:pPr marL="0" indent="0" algn="ctr">
-              <a:buNone/>
-            </a:pPr>
-            <a:r>
-              <a:rPr lang="en-US" sz="1000" dirty="0">
-                <a:solidFill>
-                  <a:srgbClr val="B0AEA5"/>
-                </a:solidFill>
-                <a:latin typeface="Georgia" pitchFamily="34" charset="0"/>
-                <a:ea typeface="Georgia" pitchFamily="34" charset="-122"/>
-                <a:cs typeface="Georgia" pitchFamily="34" charset="-120"/>
-              </a:rPr>
-              <a:t>Pause, resume, redirect</a:t>
+              <a:t>v5.18.0  |  96 Commits  |  51 Test Suites  |  Security Hardened  |  MIT Licensed</a:t>
             </a:r>
             <a:endParaRPr lang="en-US" sz="1000" dirty="0"/>
           </a:p>
